--- a/Powerpoint Presentation/Chicago Crime Data.pptx
+++ b/Powerpoint Presentation/Chicago Crime Data.pptx
@@ -238,7 +238,7 @@
           <a:p>
             <a:fld id="{97AB3EA8-A58D-4C92-A3AB-D271CCC294C7}" type="datetimeFigureOut">
               <a:rPr lang="en-US" smtClean="0"/>
-              <a:t>8/7/2023</a:t>
+              <a:t>8/11/2023</a:t>
             </a:fld>
             <a:endParaRPr lang="en-US" dirty="0"/>
           </a:p>
@@ -415,7 +415,7 @@
           <a:p>
             <a:fld id="{0AEFB4FA-E877-413E-B608-88789D806C57}" type="datetimeFigureOut">
               <a:rPr lang="en-US" noProof="0" smtClean="0"/>
-              <a:t>8/7/2023</a:t>
+              <a:t>8/11/2023</a:t>
             </a:fld>
             <a:endParaRPr lang="en-US" noProof="0" dirty="0"/>
           </a:p>
@@ -726,18 +726,29 @@
           <a:bodyPr/>
           <a:lstStyle/>
           <a:p>
+            <a:pPr algn="l"/>
             <a:r>
-              <a:rPr lang="en-US" dirty="0"/>
-              <a:t>Good afternoon class, my name is Ashton representing the Data Warfare Team out of Joint Base Lewis McChord, Washington.</a:t>
+              <a:rPr lang="en-US" b="0" i="0" dirty="0">
+                <a:solidFill>
+                  <a:srgbClr val="D1D5DB"/>
+                </a:solidFill>
+                <a:effectLst/>
+                <a:latin typeface="Söhne"/>
+              </a:rPr>
+              <a:t>Good afternoon, everyone. I'm Ashton, representing the Data Warfare Team from Joint Base Lewis McChord, Washington.</a:t>
             </a:r>
           </a:p>
           <a:p>
-            <a:endParaRPr lang="en-US" dirty="0"/>
-          </a:p>
-          <a:p>
+            <a:pPr algn="l"/>
             <a:r>
-              <a:rPr lang="en-US" dirty="0"/>
-              <a:t>I will be presenting my analysis on the Chicago Public Crime </a:t>
+              <a:rPr lang="en-US" b="0" i="0" dirty="0">
+                <a:solidFill>
+                  <a:srgbClr val="D1D5DB"/>
+                </a:solidFill>
+                <a:effectLst/>
+                <a:latin typeface="Söhne"/>
+              </a:rPr>
+              <a:t>Today, I'll be sharing my analysis of the Chicago Public Crime Database, spanning from 2001 to 2022.</a:t>
             </a:r>
           </a:p>
         </p:txBody>
@@ -840,33 +851,15 @@
               <a:defRPr/>
             </a:pPr>
             <a:r>
-              <a:rPr lang="en-US" sz="1800" dirty="0">
+              <a:rPr lang="en-US" sz="2800" b="0" i="0" dirty="0">
+                <a:solidFill>
+                  <a:srgbClr val="D1D5DB"/>
+                </a:solidFill>
                 <a:effectLst/>
-                <a:latin typeface="Calibri" panose="020F0502020204030204" pitchFamily="34" charset="0"/>
-                <a:ea typeface="Calibri" panose="020F0502020204030204" pitchFamily="34" charset="0"/>
-                <a:cs typeface="Times New Roman" panose="02020603050405020304" pitchFamily="18" charset="0"/>
+                <a:latin typeface="Söhne"/>
               </a:rPr>
-              <a:t>In this companion slide, the locations of where crime occurs is the focus. The graph clearly illustrates that crime conducted at commercial businesses such as department, grocery and drug stores have the highest probability for arrest in contrast to ATMs and athletic clubs.   </a:t>
+              <a:t>On this accompanying slide, our attention shifts to the crime locations. The graph notably depicts that criminal activities within commercial establishments, including department, grocery, and drug stores, exhibit the highest arrest probability. In contrast, ATMs and athletic clubs show significantly lower arrest probabilities.</a:t>
             </a:r>
-          </a:p>
-          <a:p>
-            <a:pPr marL="0" marR="0" lvl="0" indent="0" algn="l" defTabSz="914400" rtl="0" eaLnBrk="1" fontAlgn="auto" latinLnBrk="0" hangingPunct="1">
-              <a:lnSpc>
-                <a:spcPct val="100000"/>
-              </a:lnSpc>
-              <a:spcBef>
-                <a:spcPts val="0"/>
-              </a:spcBef>
-              <a:spcAft>
-                <a:spcPts val="0"/>
-              </a:spcAft>
-              <a:buClrTx/>
-              <a:buSzTx/>
-              <a:buFontTx/>
-              <a:buNone/>
-              <a:tabLst/>
-              <a:defRPr/>
-            </a:pPr>
             <a:endParaRPr lang="en-US" sz="1800" dirty="0">
               <a:effectLst/>
               <a:latin typeface="Calibri" panose="020F0502020204030204" pitchFamily="34" charset="0"/>
@@ -984,198 +977,68 @@
           <a:bodyPr/>
           <a:lstStyle/>
           <a:p>
-            <a:pPr marL="0" marR="0" lvl="0" indent="0" algn="l" defTabSz="914400" rtl="0" eaLnBrk="1" fontAlgn="auto" latinLnBrk="0" hangingPunct="1">
-              <a:lnSpc>
-                <a:spcPct val="100000"/>
-              </a:lnSpc>
-              <a:spcBef>
-                <a:spcPts val="0"/>
-              </a:spcBef>
-              <a:spcAft>
-                <a:spcPts val="0"/>
-              </a:spcAft>
-              <a:buClrTx/>
-              <a:buSzTx/>
-              <a:buFontTx/>
-              <a:buNone/>
-              <a:tabLst/>
-              <a:defRPr/>
-            </a:pPr>
+            <a:pPr algn="l"/>
             <a:r>
-              <a:rPr lang="en-US" sz="1200" dirty="0">
+              <a:rPr lang="en-US" b="0" i="0" dirty="0">
+                <a:solidFill>
+                  <a:srgbClr val="D1D5DB"/>
+                </a:solidFill>
                 <a:effectLst/>
-                <a:latin typeface="Calibri" panose="020F0502020204030204" pitchFamily="34" charset="0"/>
-                <a:ea typeface="Calibri" panose="020F0502020204030204" pitchFamily="34" charset="0"/>
-                <a:cs typeface="Times New Roman" panose="02020603050405020304" pitchFamily="18" charset="0"/>
+                <a:latin typeface="Söhne"/>
               </a:rPr>
-              <a:t>For added data granularity, I cross-referenced the probability of  the top crimes and locations to create an intersectional heatmap. This visual representation shows the combinations of crime and location with the probability of arrest. Each cell represents the probability, expressed as a percentage, of an arrest occurring when a specific crime is associated with a particular location. </a:t>
+              <a:t>To provide a more detailed perspective, I cross-referenced the arrest probabilities of the prominent crimes with specific locations, resulting in an intersectional heatmap. This visual display showcases the likelihood of arrest for various crime-location pairings. Each cell represents the percentage probability of arrest when a particular crime is linked to a specific location.</a:t>
             </a:r>
           </a:p>
           <a:p>
-            <a:pPr marL="0" marR="0">
-              <a:lnSpc>
-                <a:spcPct val="107000"/>
-              </a:lnSpc>
-              <a:spcBef>
-                <a:spcPts val="0"/>
-              </a:spcBef>
-              <a:spcAft>
-                <a:spcPts val="800"/>
-              </a:spcAft>
-            </a:pPr>
-            <a:endParaRPr lang="en-US" sz="1200" dirty="0">
-              <a:effectLst/>
-              <a:latin typeface="Calibri" panose="020F0502020204030204" pitchFamily="34" charset="0"/>
-              <a:ea typeface="Calibri" panose="020F0502020204030204" pitchFamily="34" charset="0"/>
-              <a:cs typeface="Times New Roman" panose="02020603050405020304" pitchFamily="18" charset="0"/>
-            </a:endParaRPr>
-          </a:p>
-          <a:p>
-            <a:pPr marL="0" marR="0">
-              <a:lnSpc>
-                <a:spcPct val="107000"/>
-              </a:lnSpc>
-              <a:spcBef>
-                <a:spcPts val="0"/>
-              </a:spcBef>
-              <a:spcAft>
-                <a:spcPts val="800"/>
-              </a:spcAft>
-            </a:pPr>
+            <a:pPr algn="l"/>
             <a:r>
-              <a:rPr lang="en-US" sz="1200" dirty="0">
+              <a:rPr lang="en-US" b="0" i="0" dirty="0">
+                <a:solidFill>
+                  <a:srgbClr val="D1D5DB"/>
+                </a:solidFill>
                 <a:effectLst/>
-                <a:latin typeface="Calibri" panose="020F0502020204030204" pitchFamily="34" charset="0"/>
-                <a:ea typeface="Calibri" panose="020F0502020204030204" pitchFamily="34" charset="0"/>
-                <a:cs typeface="Times New Roman" panose="02020603050405020304" pitchFamily="18" charset="0"/>
+                <a:latin typeface="Söhne"/>
               </a:rPr>
-              <a:t>The bar charts viewed in the previous slides clearly illustrate there is a relationship between arrest rates and the remaining features, which in this example, are isolated to crime type and location. </a:t>
+              <a:t>The bar charts presented earlier clearly establish a correlation between arrest rates and other pertinent factors. In this instance, we narrowed our focus to crime type and location.</a:t>
             </a:r>
           </a:p>
           <a:p>
-            <a:pPr marL="0" marR="0">
-              <a:lnSpc>
-                <a:spcPct val="107000"/>
-              </a:lnSpc>
-              <a:spcBef>
-                <a:spcPts val="0"/>
-              </a:spcBef>
-              <a:spcAft>
-                <a:spcPts val="800"/>
-              </a:spcAft>
-            </a:pPr>
-            <a:endParaRPr lang="en-US" sz="1200" dirty="0">
-              <a:effectLst/>
-              <a:latin typeface="Calibri" panose="020F0502020204030204" pitchFamily="34" charset="0"/>
-              <a:ea typeface="Calibri" panose="020F0502020204030204" pitchFamily="34" charset="0"/>
-              <a:cs typeface="Times New Roman" panose="02020603050405020304" pitchFamily="18" charset="0"/>
-            </a:endParaRPr>
-          </a:p>
-          <a:p>
-            <a:pPr marL="0" marR="0">
-              <a:lnSpc>
-                <a:spcPct val="107000"/>
-              </a:lnSpc>
-              <a:spcBef>
-                <a:spcPts val="0"/>
-              </a:spcBef>
-              <a:spcAft>
-                <a:spcPts val="800"/>
-              </a:spcAft>
-            </a:pPr>
+            <a:pPr algn="l"/>
             <a:r>
-              <a:rPr lang="en-US" sz="1200" dirty="0">
+              <a:rPr lang="en-US" b="0" i="0" dirty="0">
+                <a:solidFill>
+                  <a:srgbClr val="D1D5DB"/>
+                </a:solidFill>
                 <a:effectLst/>
-                <a:latin typeface="Calibri" panose="020F0502020204030204" pitchFamily="34" charset="0"/>
-                <a:ea typeface="Calibri" panose="020F0502020204030204" pitchFamily="34" charset="0"/>
-                <a:cs typeface="Times New Roman" panose="02020603050405020304" pitchFamily="18" charset="0"/>
+                <a:latin typeface="Söhne"/>
               </a:rPr>
-              <a:t>As seen in the previous two slides, the top crime was narcotics while the top location was department store. We can see in this combination in the heatmap as the intersection indicates, that department stores are central to, and the primary location of the top crimes identified in this analysis.</a:t>
+              <a:t>As witnessed in the preceding slides, narcotics emerged as the predominant crime, and department stores as the primary location. These two facets converge in the heatmap, highlighting department stores as the central hub for the prevalent crimes identified in our analysis.</a:t>
             </a:r>
           </a:p>
           <a:p>
-            <a:pPr marL="0" marR="0">
-              <a:lnSpc>
-                <a:spcPct val="107000"/>
-              </a:lnSpc>
-              <a:spcBef>
-                <a:spcPts val="0"/>
-              </a:spcBef>
-              <a:spcAft>
-                <a:spcPts val="800"/>
-              </a:spcAft>
-            </a:pPr>
-            <a:endParaRPr lang="en-US" sz="1200" dirty="0">
-              <a:effectLst/>
-              <a:latin typeface="Calibri" panose="020F0502020204030204" pitchFamily="34" charset="0"/>
-              <a:ea typeface="Calibri" panose="020F0502020204030204" pitchFamily="34" charset="0"/>
-              <a:cs typeface="Times New Roman" panose="02020603050405020304" pitchFamily="18" charset="0"/>
-            </a:endParaRPr>
-          </a:p>
-          <a:p>
-            <a:pPr marL="0" marR="0">
-              <a:lnSpc>
-                <a:spcPct val="107000"/>
-              </a:lnSpc>
-              <a:spcBef>
-                <a:spcPts val="0"/>
-              </a:spcBef>
-              <a:spcAft>
-                <a:spcPts val="800"/>
-              </a:spcAft>
-            </a:pPr>
+            <a:pPr algn="l"/>
             <a:r>
-              <a:rPr lang="en-US" sz="1200" dirty="0">
+              <a:rPr lang="en-US" b="0" i="0" dirty="0">
+                <a:solidFill>
+                  <a:srgbClr val="D1D5DB"/>
+                </a:solidFill>
                 <a:effectLst/>
-                <a:latin typeface="Calibri" panose="020F0502020204030204" pitchFamily="34" charset="0"/>
-                <a:ea typeface="Calibri" panose="020F0502020204030204" pitchFamily="34" charset="0"/>
-                <a:cs typeface="Times New Roman" panose="02020603050405020304" pitchFamily="18" charset="0"/>
+                <a:latin typeface="Söhne"/>
               </a:rPr>
-              <a:t>To conclude, this graph shows a clear and decisive relationship between crime types, the locations where they are committed, and the probability for arrest.</a:t>
+              <a:t>To conclude, this graph definitively reveals the interrelation between crime types, their locations, and the arrest probability.</a:t>
             </a:r>
           </a:p>
           <a:p>
-            <a:pPr marL="0" marR="0">
-              <a:lnSpc>
-                <a:spcPct val="107000"/>
-              </a:lnSpc>
-              <a:spcBef>
-                <a:spcPts val="0"/>
-              </a:spcBef>
-              <a:spcAft>
-                <a:spcPts val="800"/>
-              </a:spcAft>
-            </a:pPr>
+            <a:pPr algn="l"/>
             <a:r>
-              <a:rPr lang="en-US" sz="1200" dirty="0">
+              <a:rPr lang="en-US" b="0" i="0" dirty="0">
+                <a:solidFill>
+                  <a:srgbClr val="D1D5DB"/>
+                </a:solidFill>
                 <a:effectLst/>
-                <a:latin typeface="Calibri" panose="020F0502020204030204" pitchFamily="34" charset="0"/>
-                <a:ea typeface="Calibri" panose="020F0502020204030204" pitchFamily="34" charset="0"/>
-                <a:cs typeface="Times New Roman" panose="02020603050405020304" pitchFamily="18" charset="0"/>
+                <a:latin typeface="Söhne"/>
               </a:rPr>
-              <a:t> </a:t>
-            </a:r>
-          </a:p>
-          <a:p>
-            <a:pPr marL="0" marR="0">
-              <a:lnSpc>
-                <a:spcPct val="107000"/>
-              </a:lnSpc>
-              <a:spcBef>
-                <a:spcPts val="0"/>
-              </a:spcBef>
-              <a:spcAft>
-                <a:spcPts val="800"/>
-              </a:spcAft>
-            </a:pPr>
-            <a:r>
-              <a:rPr lang="en-US" sz="1200" dirty="0">
-                <a:effectLst/>
-                <a:latin typeface="Calibri" panose="020F0502020204030204" pitchFamily="34" charset="0"/>
-                <a:ea typeface="Calibri" panose="020F0502020204030204" pitchFamily="34" charset="0"/>
-                <a:cs typeface="Times New Roman" panose="02020603050405020304" pitchFamily="18" charset="0"/>
-              </a:rPr>
-              <a:t>Based on our analysis, I can reject my null hypothesis (H0) as the results demonstrated a non-random association between crime types, locations, and arrest probabilities. To put it simply, certain combinations of criminal activity and their location exhibit higher or lower probabilities of arrests.  </a:t>
+              <a:t>Our analysis leads to the rejection of the null hypothesis (H0) due to the evident non-random correlation between crime types, locations, and arrest probabilities. In simple terms, certain combinations of criminal activities and their respective locations exhibit distinct probabilities of arrests.</a:t>
             </a:r>
           </a:p>
         </p:txBody>
@@ -1261,9 +1124,16 @@
           <a:lstStyle/>
           <a:p>
             <a:r>
-              <a:rPr lang="en-US" dirty="0"/>
-              <a:t>Thank you for attending my presentation, my contact information can be location on this slide.</a:t>
+              <a:rPr lang="en-US" b="0" i="0" dirty="0">
+                <a:solidFill>
+                  <a:srgbClr val="D1D5DB"/>
+                </a:solidFill>
+                <a:effectLst/>
+                <a:latin typeface="Söhne"/>
+              </a:rPr>
+              <a:t>Thank you for being a part of my presentation. You can find my contact information on this slide.</a:t>
             </a:r>
+            <a:endParaRPr lang="en-US" dirty="0"/>
           </a:p>
         </p:txBody>
       </p:sp>
@@ -1431,50 +1301,53 @@
           <a:bodyPr/>
           <a:lstStyle/>
           <a:p>
-            <a:pPr marL="0" marR="0">
-              <a:spcBef>
-                <a:spcPts val="0"/>
-              </a:spcBef>
-              <a:spcAft>
-                <a:spcPts val="800"/>
-              </a:spcAft>
-            </a:pPr>
+            <a:pPr algn="l"/>
             <a:r>
-              <a:rPr lang="en-US" sz="1200" dirty="0">
+              <a:rPr lang="en-US" b="0" i="0" dirty="0">
+                <a:solidFill>
+                  <a:srgbClr val="D1D5DB"/>
+                </a:solidFill>
                 <a:effectLst/>
+                <a:latin typeface="Söhne"/>
               </a:rPr>
-              <a:t>According to the Chicago Sun Times, through analyzing crime statistics, Chicago had its deadliest year in 2021 since in nearly 30 years. There is no singular answer as to why Chicago is subject to a substantially higher amount of crime compared to other major cities. We frequently hear on the news, internet, and social media about prevalent criminal activity in Chicago that includes violent crimes, gun violence, homicides, drug addiction and more. Additionally, while some criminal offenders are put in jail, a 2018 report showed that 43% of those released from prison in Illinois will be convicted of another crime and return to prison.</a:t>
+              <a:t>As per the Chicago Sun Times, an analysis of crime statistics revealed that 2021 marked Chicago's most fatal year in nearly three decades. The elevated crime rate in Chicago compared to other major cities lacks a singular explanation. Reports on news platforms, online sources, and social media frequently highlight prevalent criminal incidents in Chicago, spanning violent crimes, gun violence, homicides, drug-related issues, and more.</a:t>
             </a:r>
           </a:p>
           <a:p>
-            <a:pPr marL="0" marR="0">
-              <a:spcBef>
-                <a:spcPts val="0"/>
-              </a:spcBef>
-              <a:spcAft>
-                <a:spcPts val="800"/>
-              </a:spcAft>
-            </a:pPr>
-            <a:endParaRPr lang="en-US" sz="1200" dirty="0">
+            <a:pPr algn="l"/>
+            <a:r>
+              <a:rPr lang="en-US" b="0" i="0" dirty="0">
+                <a:solidFill>
+                  <a:srgbClr val="D1D5DB"/>
+                </a:solidFill>
+                <a:effectLst/>
+                <a:latin typeface="Söhne"/>
+              </a:rPr>
+              <a:t>Moreover, despite incarcerations, a 2018 report indicated that 43% of released prisoners in Illinois returned to criminal convictions and subsequent imprisonment.</a:t>
+            </a:r>
+          </a:p>
+          <a:p>
+            <a:pPr algn="l"/>
+            <a:endParaRPr lang="en-US" b="0" i="0" dirty="0">
+              <a:solidFill>
+                <a:srgbClr val="D1D5DB"/>
+              </a:solidFill>
               <a:effectLst/>
+              <a:latin typeface="Söhne"/>
             </a:endParaRPr>
           </a:p>
           <a:p>
-            <a:pPr marL="0" marR="0">
-              <a:spcBef>
-                <a:spcPts val="0"/>
-              </a:spcBef>
-              <a:spcAft>
-                <a:spcPts val="800"/>
-              </a:spcAft>
-            </a:pPr>
+            <a:pPr algn="l"/>
             <a:r>
-              <a:rPr lang="en-US" sz="1200" dirty="0">
+              <a:rPr lang="en-US" b="0" i="0" dirty="0">
+                <a:solidFill>
+                  <a:srgbClr val="D1D5DB"/>
+                </a:solidFill>
                 <a:effectLst/>
+                <a:latin typeface="Söhne"/>
               </a:rPr>
-              <a:t>To gain a better understanding of the situation, I analyzed a publicly available crime dataset from the City of Chicago. My objective was to determine any correlations to the criminal activity.</a:t>
+              <a:t>To thoroughly understand this situation, I extensively explored a publicly available crime dataset provided by the City of Chicago. My main goal was to identify correlations related to criminal activity.</a:t>
             </a:r>
-            <a:endParaRPr lang="en-US" dirty="0"/>
           </a:p>
         </p:txBody>
       </p:sp>
@@ -1558,176 +1431,75 @@
           <a:bodyPr/>
           <a:lstStyle/>
           <a:p>
-            <a:pPr marL="0" marR="0" lvl="0" indent="0" algn="l" defTabSz="914400" rtl="0" eaLnBrk="1" fontAlgn="auto" latinLnBrk="0" hangingPunct="1">
-              <a:lnSpc>
-                <a:spcPct val="107000"/>
-              </a:lnSpc>
-              <a:spcBef>
-                <a:spcPts val="0"/>
-              </a:spcBef>
-              <a:spcAft>
-                <a:spcPts val="800"/>
-              </a:spcAft>
-              <a:buClrTx/>
-              <a:buSzTx/>
-              <a:buFontTx/>
-              <a:buNone/>
-              <a:tabLst/>
-              <a:defRPr/>
-            </a:pPr>
+            <a:pPr algn="l"/>
             <a:r>
-              <a:rPr lang="en-US" sz="1800" dirty="0">
+              <a:rPr lang="en-US" sz="2800" b="0" i="0" dirty="0">
+                <a:solidFill>
+                  <a:srgbClr val="D1D5DB"/>
+                </a:solidFill>
                 <a:effectLst/>
-                <a:latin typeface="Calibri" panose="020F0502020204030204" pitchFamily="34" charset="0"/>
-                <a:ea typeface="Calibri" panose="020F0502020204030204" pitchFamily="34" charset="0"/>
-                <a:cs typeface="Times New Roman" panose="02020603050405020304" pitchFamily="18" charset="0"/>
+                <a:latin typeface="Söhne"/>
               </a:rPr>
-              <a:t>The City of Chicago maintains a very detailed dataset recording incidents of crime that occurred in the city. </a:t>
+              <a:t>The city of Chicago maintains a comprehensive dataset that documents various crime incidents occurring within the city.</a:t>
             </a:r>
           </a:p>
           <a:p>
-            <a:pPr marL="0" marR="0" lvl="0" indent="0" algn="l" defTabSz="914400" rtl="0" eaLnBrk="1" fontAlgn="auto" latinLnBrk="0" hangingPunct="1">
-              <a:lnSpc>
-                <a:spcPct val="107000"/>
-              </a:lnSpc>
-              <a:spcBef>
-                <a:spcPts val="0"/>
-              </a:spcBef>
-              <a:spcAft>
-                <a:spcPts val="800"/>
-              </a:spcAft>
-              <a:buClrTx/>
-              <a:buSzTx/>
-              <a:buFontTx/>
-              <a:buNone/>
-              <a:tabLst/>
-              <a:defRPr/>
-            </a:pPr>
+            <a:pPr algn="l"/>
             <a:r>
-              <a:rPr lang="en-US" sz="1800" dirty="0">
+              <a:rPr lang="en-US" sz="2800" b="0" i="0" dirty="0">
+                <a:solidFill>
+                  <a:srgbClr val="D1D5DB"/>
+                </a:solidFill>
                 <a:effectLst/>
-                <a:latin typeface="Calibri" panose="020F0502020204030204" pitchFamily="34" charset="0"/>
-                <a:ea typeface="Calibri" panose="020F0502020204030204" pitchFamily="34" charset="0"/>
-                <a:cs typeface="Times New Roman" panose="02020603050405020304" pitchFamily="18" charset="0"/>
+                <a:latin typeface="Söhne"/>
               </a:rPr>
-              <a:t>At the time of my download of the dataset there were 7.8 million incidents </a:t>
+              <a:t>At the time I acquired the dataset, it contained around 7.8 million incidents.</a:t>
             </a:r>
           </a:p>
           <a:p>
-            <a:pPr marL="0" marR="0" indent="0">
-              <a:lnSpc>
-                <a:spcPct val="107000"/>
-              </a:lnSpc>
-              <a:spcBef>
-                <a:spcPts val="0"/>
-              </a:spcBef>
-              <a:spcAft>
-                <a:spcPts val="800"/>
-              </a:spcAft>
-              <a:buFontTx/>
-              <a:buNone/>
-            </a:pPr>
+            <a:pPr algn="l"/>
             <a:r>
-              <a:rPr lang="en-US" sz="1800" dirty="0">
+              <a:rPr lang="en-US" sz="2800" b="0" i="0" dirty="0">
+                <a:solidFill>
+                  <a:srgbClr val="D1D5DB"/>
+                </a:solidFill>
                 <a:effectLst/>
-                <a:latin typeface="Calibri" panose="020F0502020204030204" pitchFamily="34" charset="0"/>
-                <a:ea typeface="Calibri" panose="020F0502020204030204" pitchFamily="34" charset="0"/>
-                <a:cs typeface="Times New Roman" panose="02020603050405020304" pitchFamily="18" charset="0"/>
+                <a:latin typeface="Söhne"/>
               </a:rPr>
-              <a:t>To the right of my slide are the main features that were used for my data analysis. The numbers represent a count of unique values of those features.</a:t>
+              <a:t>On the right side of this slide, you'll see the key features used for my data analysis, with the numbers representing the count of distinct values within each feature.</a:t>
             </a:r>
           </a:p>
           <a:p>
-            <a:pPr marL="0" marR="0" indent="0">
-              <a:lnSpc>
-                <a:spcPct val="107000"/>
-              </a:lnSpc>
-              <a:spcBef>
-                <a:spcPts val="0"/>
-              </a:spcBef>
-              <a:spcAft>
-                <a:spcPts val="800"/>
-              </a:spcAft>
-              <a:buFontTx/>
-              <a:buNone/>
-            </a:pPr>
-            <a:endParaRPr lang="en-US" sz="1800" dirty="0">
+            <a:pPr algn="l"/>
+            <a:endParaRPr lang="en-US" sz="2800" b="1" i="0" dirty="0">
+              <a:solidFill>
+                <a:srgbClr val="D1D5DB"/>
+              </a:solidFill>
               <a:effectLst/>
-              <a:latin typeface="Calibri" panose="020F0502020204030204" pitchFamily="34" charset="0"/>
-              <a:ea typeface="Calibri" panose="020F0502020204030204" pitchFamily="34" charset="0"/>
-              <a:cs typeface="Times New Roman" panose="02020603050405020304" pitchFamily="18" charset="0"/>
+              <a:latin typeface="Söhne"/>
             </a:endParaRPr>
           </a:p>
           <a:p>
-            <a:pPr marL="0" marR="0" indent="0">
-              <a:lnSpc>
-                <a:spcPct val="107000"/>
-              </a:lnSpc>
-              <a:spcBef>
-                <a:spcPts val="0"/>
-              </a:spcBef>
-              <a:spcAft>
-                <a:spcPts val="800"/>
-              </a:spcAft>
-              <a:buFontTx/>
-              <a:buNone/>
-            </a:pPr>
+            <a:pPr algn="l"/>
             <a:r>
-              <a:rPr lang="en-US" sz="1800" dirty="0">
+              <a:rPr lang="en-US" sz="2800" b="1" i="0" dirty="0">
+                <a:solidFill>
+                  <a:srgbClr val="D1D5DB"/>
+                </a:solidFill>
                 <a:effectLst/>
-                <a:latin typeface="Calibri" panose="020F0502020204030204" pitchFamily="34" charset="0"/>
-                <a:ea typeface="Calibri" panose="020F0502020204030204" pitchFamily="34" charset="0"/>
-                <a:cs typeface="Times New Roman" panose="02020603050405020304" pitchFamily="18" charset="0"/>
-              </a:rPr>
-              <a:t> </a:t>
-            </a:r>
-          </a:p>
-          <a:p>
-            <a:pPr marL="0" marR="0" indent="0">
-              <a:lnSpc>
-                <a:spcPct val="107000"/>
-              </a:lnSpc>
-              <a:spcBef>
-                <a:spcPts val="0"/>
-              </a:spcBef>
-              <a:spcAft>
-                <a:spcPts val="800"/>
-              </a:spcAft>
-              <a:buFontTx/>
-              <a:buNone/>
-            </a:pPr>
-            <a:r>
-              <a:rPr lang="en-US" sz="1800" dirty="0">
-                <a:effectLst/>
-                <a:latin typeface="Calibri" panose="020F0502020204030204" pitchFamily="34" charset="0"/>
-                <a:ea typeface="Calibri" panose="020F0502020204030204" pitchFamily="34" charset="0"/>
-                <a:cs typeface="Times New Roman" panose="02020603050405020304" pitchFamily="18" charset="0"/>
+                <a:latin typeface="Söhne"/>
               </a:rPr>
               <a:t>Extra:</a:t>
             </a:r>
-          </a:p>
-          <a:p>
-            <a:pPr marL="0" marR="0" indent="0">
-              <a:lnSpc>
-                <a:spcPct val="107000"/>
-              </a:lnSpc>
-              <a:spcBef>
-                <a:spcPts val="0"/>
-              </a:spcBef>
-              <a:spcAft>
-                <a:spcPts val="800"/>
-              </a:spcAft>
-              <a:buFontTx/>
-              <a:buNone/>
-            </a:pPr>
             <a:r>
-              <a:rPr lang="en-US" sz="1800" dirty="0">
+              <a:rPr lang="en-US" sz="2800" b="0" i="0" dirty="0">
+                <a:solidFill>
+                  <a:srgbClr val="D1D5DB"/>
+                </a:solidFill>
                 <a:effectLst/>
-                <a:latin typeface="Calibri" panose="020F0502020204030204" pitchFamily="34" charset="0"/>
-                <a:ea typeface="Calibri" panose="020F0502020204030204" pitchFamily="34" charset="0"/>
-                <a:cs typeface="Times New Roman" panose="02020603050405020304" pitchFamily="18" charset="0"/>
+                <a:latin typeface="Söhne"/>
               </a:rPr>
-              <a:t>This data is extracted from the Chicago Police Department’s CLEAR (Citizen Law Enforcement Analysis and Reporting) system. </a:t>
+              <a:t> This data is sourced from the Chicago Police Department’s CLEAR (Citizen Law Enforcement Analysis and Reporting) system.</a:t>
             </a:r>
           </a:p>
           <a:p>
@@ -1815,45 +1587,90 @@
           <a:bodyPr/>
           <a:lstStyle/>
           <a:p>
+            <a:pPr algn="l"/>
             <a:r>
-              <a:rPr lang="en-US" dirty="0"/>
-              <a:t>An initial analysis revealed that, contrary of popular opinion, crimes per year, at least those being recorded, has reduced by more than half since 2001. </a:t>
+              <a:rPr lang="en-US" b="0" i="0" dirty="0">
+                <a:solidFill>
+                  <a:srgbClr val="D1D5DB"/>
+                </a:solidFill>
+                <a:effectLst/>
+                <a:latin typeface="Söhne"/>
+              </a:rPr>
+              <a:t>Looking at the initial analysis, it turns out that, contrary to what many people think, the number of recorded crimes per year has decreased by more than half since 2001.</a:t>
             </a:r>
           </a:p>
           <a:p>
+            <a:pPr algn="l"/>
             <a:r>
-              <a:rPr lang="en-US" dirty="0"/>
-              <a:t>I want to highlight three significant observations. </a:t>
+              <a:rPr lang="en-US" b="0" i="0" dirty="0">
+                <a:solidFill>
+                  <a:srgbClr val="D1D5DB"/>
+                </a:solidFill>
+                <a:effectLst/>
+                <a:latin typeface="Söhne"/>
+              </a:rPr>
+              <a:t>Here are three big observations I want to point out:</a:t>
             </a:r>
           </a:p>
           <a:p>
+            <a:pPr algn="l">
+              <a:buFont typeface="+mj-lt"/>
+              <a:buAutoNum type="arabicPeriod"/>
+            </a:pPr>
             <a:r>
-              <a:rPr lang="en-US" dirty="0"/>
-              <a:t>1) From 2001 to 2015 there was a gradual decrease of approximant 475,000 crimes per year to 260,000 by the year 2015.</a:t>
+              <a:rPr lang="en-US" b="0" i="0" dirty="0">
+                <a:solidFill>
+                  <a:srgbClr val="D1D5DB"/>
+                </a:solidFill>
+                <a:effectLst/>
+                <a:latin typeface="Söhne"/>
+              </a:rPr>
+              <a:t>Between 2001 and 2015, the number of crimes per year went down gradually from about 475,000 to around 260,000 in 2015.</a:t>
             </a:r>
           </a:p>
           <a:p>
+            <a:pPr algn="l">
+              <a:buFont typeface="+mj-lt"/>
+              <a:buAutoNum type="arabicPeriod"/>
+            </a:pPr>
             <a:r>
-              <a:rPr lang="en-US" dirty="0"/>
-              <a:t>2) From 2015 to 2019, crime rate remained constant</a:t>
+              <a:rPr lang="en-US" b="0" i="0" dirty="0">
+                <a:solidFill>
+                  <a:srgbClr val="D1D5DB"/>
+                </a:solidFill>
+                <a:effectLst/>
+                <a:latin typeface="Söhne"/>
+              </a:rPr>
+              <a:t>From 2015 to 2019, the crime rate stayed pretty much the same.</a:t>
             </a:r>
           </a:p>
           <a:p>
+            <a:pPr algn="l">
+              <a:buFont typeface="+mj-lt"/>
+              <a:buAutoNum type="arabicPeriod"/>
+            </a:pPr>
             <a:r>
-              <a:rPr lang="en-US" dirty="0"/>
-              <a:t>3) From 2020 and 2021 there was another significant drop.</a:t>
+              <a:rPr lang="en-US" b="0" i="0" dirty="0">
+                <a:solidFill>
+                  <a:srgbClr val="D1D5DB"/>
+                </a:solidFill>
+                <a:effectLst/>
+                <a:latin typeface="Söhne"/>
+              </a:rPr>
+              <a:t>Then, between 2020 and 2021, there was another big drop.</a:t>
             </a:r>
           </a:p>
           <a:p>
+            <a:pPr algn="l"/>
             <a:r>
-              <a:rPr lang="en-US" dirty="0"/>
-              <a:t>A possible explanation for this was the Covid-19 lockdowns and changing in policing and recording crimes during that time period so it does not necessarily mean that </a:t>
-            </a:r>
-          </a:p>
-          <a:p>
-            <a:r>
-              <a:rPr lang="en-US" dirty="0"/>
-              <a:t>Crimes were not being committed, only that they were possibly not being recorded. </a:t>
+              <a:rPr lang="en-US" b="0" i="0" dirty="0">
+                <a:solidFill>
+                  <a:srgbClr val="D1D5DB"/>
+                </a:solidFill>
+                <a:effectLst/>
+                <a:latin typeface="Söhne"/>
+              </a:rPr>
+              <a:t>One possible reason for this could be the Covid-19 lockdowns and changes in how police handled and reported crimes during that time. This doesn't necessarily mean there were fewer crimes happening, but it could mean they just weren't getting recorded in the same way.</a:t>
             </a:r>
           </a:p>
           <a:p>
@@ -1947,69 +1764,29 @@
           <a:bodyPr/>
           <a:lstStyle/>
           <a:p>
-            <a:pPr marL="0" marR="0" lvl="0" indent="0" algn="l" defTabSz="914400" rtl="0" eaLnBrk="1" fontAlgn="auto" latinLnBrk="0" hangingPunct="1">
-              <a:lnSpc>
-                <a:spcPct val="100000"/>
-              </a:lnSpc>
-              <a:spcBef>
-                <a:spcPts val="0"/>
-              </a:spcBef>
-              <a:spcAft>
-                <a:spcPts val="0"/>
-              </a:spcAft>
-              <a:buClrTx/>
-              <a:buSzTx/>
-              <a:buFontTx/>
-              <a:buNone/>
-              <a:tabLst/>
-              <a:defRPr/>
-            </a:pPr>
-            <a:endParaRPr lang="en-US" dirty="0"/>
-          </a:p>
-          <a:p>
-            <a:pPr marL="0" marR="0" lvl="0" indent="0" algn="l" defTabSz="914400" rtl="0" eaLnBrk="1" fontAlgn="auto" latinLnBrk="0" hangingPunct="1">
-              <a:lnSpc>
-                <a:spcPct val="100000"/>
-              </a:lnSpc>
-              <a:spcBef>
-                <a:spcPts val="0"/>
-              </a:spcBef>
-              <a:spcAft>
-                <a:spcPts val="0"/>
-              </a:spcAft>
-              <a:buClrTx/>
-              <a:buSzTx/>
-              <a:buFontTx/>
-              <a:buNone/>
-              <a:tabLst/>
-              <a:defRPr/>
-            </a:pPr>
+            <a:pPr algn="l"/>
             <a:r>
-              <a:rPr lang="en-US" dirty="0"/>
-              <a:t>The pie chart on the left represents crimes that occur the most frequently while the horizontal bar chart on the right illustrates the total occurrences for the time period.</a:t>
+              <a:rPr lang="en-US" b="0" i="0" dirty="0">
+                <a:solidFill>
+                  <a:srgbClr val="D1D5DB"/>
+                </a:solidFill>
+                <a:effectLst/>
+                <a:latin typeface="Söhne"/>
+              </a:rPr>
+              <a:t>The left-side pie chart portrays the most frequently occurring crimes, while the right-side horizontal bar chart illustrates the total occurrences over the specified time period.</a:t>
             </a:r>
           </a:p>
           <a:p>
-            <a:pPr marL="0" marR="0" lvl="0" indent="0" algn="l" defTabSz="914400" rtl="0" eaLnBrk="1" fontAlgn="auto" latinLnBrk="0" hangingPunct="1">
-              <a:lnSpc>
-                <a:spcPct val="100000"/>
-              </a:lnSpc>
-              <a:spcBef>
-                <a:spcPts val="0"/>
-              </a:spcBef>
-              <a:spcAft>
-                <a:spcPts val="0"/>
-              </a:spcAft>
-              <a:buClrTx/>
-              <a:buSzTx/>
-              <a:buFontTx/>
-              <a:buNone/>
-              <a:tabLst/>
-              <a:defRPr/>
-            </a:pPr>
+            <a:pPr algn="l"/>
             <a:r>
-              <a:rPr lang="en-US" dirty="0"/>
-              <a:t>An analysis of all 36 crime categories revealed the top the 10 crimes represented in the above pie chart represent 91.57% of all total crimes. </a:t>
+              <a:rPr lang="en-US" b="0" i="0" dirty="0">
+                <a:solidFill>
+                  <a:srgbClr val="D1D5DB"/>
+                </a:solidFill>
+                <a:effectLst/>
+                <a:latin typeface="Söhne"/>
+              </a:rPr>
+              <a:t>Upon analyzing all 36 crime categories, it became evident that the top 10 crimes depicted in the pie chart constitute 91.57% of the total reported crimes.</a:t>
             </a:r>
           </a:p>
           <a:p>
@@ -2104,32 +1881,26 @@
           <a:lstStyle/>
           <a:p>
             <a:r>
-              <a:rPr lang="en-US" sz="1800" dirty="0">
+              <a:rPr lang="en-US" sz="2800" b="0" i="0" dirty="0">
+                <a:solidFill>
+                  <a:srgbClr val="D1D5DB"/>
+                </a:solidFill>
                 <a:effectLst/>
-                <a:latin typeface="Calibri" panose="020F0502020204030204" pitchFamily="34" charset="0"/>
-                <a:ea typeface="Calibri" panose="020F0502020204030204" pitchFamily="34" charset="0"/>
-                <a:cs typeface="Times New Roman" panose="02020603050405020304" pitchFamily="18" charset="0"/>
+                <a:latin typeface="Söhne"/>
               </a:rPr>
-              <a:t>To explore further and with more specificity, I calculated the top 5 most common crimes that were recorded. They too, showed a gradual decrease in with theft, battery and narcotics showing the strongest decline. </a:t>
+              <a:t>To explore with precision, I analyzed the top 5 most common crimes. Noteworthy is the decline in theft, battery, and narcotics. </a:t>
             </a:r>
           </a:p>
           <a:p>
-            <a:endParaRPr lang="en-US" sz="1800" dirty="0">
-              <a:effectLst/>
-              <a:latin typeface="Calibri" panose="020F0502020204030204" pitchFamily="34" charset="0"/>
-              <a:ea typeface="Calibri" panose="020F0502020204030204" pitchFamily="34" charset="0"/>
-              <a:cs typeface="Times New Roman" panose="02020603050405020304" pitchFamily="18" charset="0"/>
-            </a:endParaRPr>
-          </a:p>
-          <a:p>
             <a:r>
-              <a:rPr lang="en-US" sz="1800" dirty="0">
+              <a:rPr lang="en-US" sz="2800" b="0" i="0" dirty="0">
+                <a:solidFill>
+                  <a:srgbClr val="D1D5DB"/>
+                </a:solidFill>
                 <a:effectLst/>
-                <a:latin typeface="Calibri" panose="020F0502020204030204" pitchFamily="34" charset="0"/>
-                <a:ea typeface="Calibri" panose="020F0502020204030204" pitchFamily="34" charset="0"/>
-                <a:cs typeface="Times New Roman" panose="02020603050405020304" pitchFamily="18" charset="0"/>
+                <a:latin typeface="Söhne"/>
               </a:rPr>
-              <a:t>Criminal sexual assault crimes, however, were discovered to be an extreme outlier to my EDA, where there was an increase of 2,454% from 2012 to 2022. I created a separate chart as to not drastically skew the first chart.</a:t>
+              <a:t>Conversely, criminal sexual assault crimes showed a staggering 2,454% increase from 2012 to 2022. To avoid distortion, a separate chart was designed.</a:t>
             </a:r>
             <a:endParaRPr lang="en-US" dirty="0"/>
           </a:p>
@@ -2215,63 +1986,78 @@
           <a:bodyPr/>
           <a:lstStyle/>
           <a:p>
+            <a:pPr algn="l"/>
             <a:r>
-              <a:rPr lang="en-US" dirty="0"/>
-              <a:t>Next, I will present identified crime trends: </a:t>
+              <a:rPr lang="en-US" b="0" i="0" dirty="0">
+                <a:solidFill>
+                  <a:srgbClr val="D1D5DB"/>
+                </a:solidFill>
+                <a:effectLst/>
+                <a:latin typeface="Söhne"/>
+              </a:rPr>
+              <a:t>I will now present the identified crime trends:</a:t>
             </a:r>
           </a:p>
           <a:p>
+            <a:pPr algn="l"/>
             <a:r>
-              <a:rPr lang="en-US" dirty="0"/>
-              <a:t>This heatmap shows the relationship between the day of the week and time of day where a crime is most likely to occur. There are several important takeaways from this data.</a:t>
+              <a:rPr lang="en-US" b="0" i="0" dirty="0">
+                <a:solidFill>
+                  <a:srgbClr val="D1D5DB"/>
+                </a:solidFill>
+                <a:effectLst/>
+                <a:latin typeface="Söhne"/>
+              </a:rPr>
+              <a:t>This heatmap illustrates the correlation between the day of the week and the time of day when crimes are most prone to occur. Key insights emerge from this data:</a:t>
             </a:r>
           </a:p>
           <a:p>
-            <a:pPr marL="0" indent="0">
-              <a:buNone/>
+            <a:pPr algn="l">
+              <a:buFont typeface="+mj-lt"/>
+              <a:buAutoNum type="arabicPeriod"/>
             </a:pPr>
             <a:r>
-              <a:rPr lang="en-US" dirty="0"/>
-              <a:t>1) We can see that crimes are least likely to be committed during the weekday between the hours of 0100 and 0700 and slightly more likely during the same time period on the weekends.</a:t>
+              <a:rPr lang="en-US" b="0" i="0" dirty="0">
+                <a:solidFill>
+                  <a:srgbClr val="D1D5DB"/>
+                </a:solidFill>
+                <a:effectLst/>
+                <a:latin typeface="Söhne"/>
+              </a:rPr>
+              <a:t> Crimes are less probable during weekdays between 01:00 and 07:00, with a slightly elevated likelihood during the same hours on weekends.</a:t>
             </a:r>
           </a:p>
           <a:p>
-            <a:pPr marL="0" indent="0">
-              <a:buNone/>
+            <a:pPr algn="l">
+              <a:buFont typeface="+mj-lt"/>
+              <a:buAutoNum type="arabicPeriod"/>
             </a:pPr>
             <a:r>
-              <a:rPr lang="en-US" dirty="0"/>
-              <a:t>2) The days of the week show that crime is more likely to occur on Friday evenings from 1800 to 2200 with Tuesday and Wednesday not far behind. </a:t>
+              <a:rPr lang="en-US" b="0" i="0" dirty="0">
+                <a:solidFill>
+                  <a:srgbClr val="D1D5DB"/>
+                </a:solidFill>
+                <a:effectLst/>
+                <a:latin typeface="Söhne"/>
+              </a:rPr>
+              <a:t> Friday evenings from 18:00 to 22:00 exhibit a very high likelihood of crime occurrence, closely followed by Tuesdays and Wednesdays.</a:t>
             </a:r>
           </a:p>
           <a:p>
-            <a:pPr marL="0" marR="0" lvl="0" indent="0" algn="l" defTabSz="914400" rtl="0" eaLnBrk="1" fontAlgn="auto" latinLnBrk="0" hangingPunct="1">
-              <a:lnSpc>
-                <a:spcPct val="100000"/>
-              </a:lnSpc>
-              <a:spcBef>
-                <a:spcPts val="0"/>
-              </a:spcBef>
-              <a:spcAft>
-                <a:spcPts val="0"/>
-              </a:spcAft>
-              <a:buClrTx/>
-              <a:buSzTx/>
-              <a:buFontTx/>
-              <a:buNone/>
-              <a:tabLst/>
-              <a:defRPr/>
+            <a:pPr algn="l">
+              <a:buFont typeface="+mj-lt"/>
+              <a:buAutoNum type="arabicPeriod"/>
             </a:pPr>
             <a:r>
-              <a:rPr lang="en-US" dirty="0"/>
-              <a:t>3) Noon and Midnight seem to have the strongest probability for a crime to occur daily</a:t>
+              <a:rPr lang="en-US" b="0" i="0" dirty="0">
+                <a:solidFill>
+                  <a:srgbClr val="D1D5DB"/>
+                </a:solidFill>
+                <a:effectLst/>
+                <a:latin typeface="Söhne"/>
+              </a:rPr>
+              <a:t> Midnight hours during weekends record the peak probability of incidents.</a:t>
             </a:r>
-          </a:p>
-          <a:p>
-            <a:pPr marL="228600" indent="-228600">
-              <a:buAutoNum type="arabicParenR"/>
-            </a:pPr>
-            <a:endParaRPr lang="en-US" dirty="0"/>
           </a:p>
         </p:txBody>
       </p:sp>
@@ -2383,9 +2169,6 @@
             </a:r>
           </a:p>
           <a:p>
-            <a:endParaRPr lang="en-US" dirty="0"/>
-          </a:p>
-          <a:p>
             <a:pPr marL="0" marR="0" lvl="0" indent="0" algn="l" defTabSz="914400" rtl="0" eaLnBrk="1" fontAlgn="auto" latinLnBrk="0" hangingPunct="1">
               <a:lnSpc>
                 <a:spcPct val="100000"/>
@@ -2403,6 +2186,14 @@
               <a:tabLst/>
               <a:defRPr/>
             </a:pPr>
+            <a:endParaRPr lang="en-US" sz="1800" dirty="0">
+              <a:effectLst/>
+              <a:latin typeface="Calibri" panose="020F0502020204030204" pitchFamily="34" charset="0"/>
+              <a:ea typeface="Calibri" panose="020F0502020204030204" pitchFamily="34" charset="0"/>
+              <a:cs typeface="Times New Roman" panose="02020603050405020304" pitchFamily="18" charset="0"/>
+            </a:endParaRPr>
+          </a:p>
+          <a:p>
             <a:r>
               <a:rPr lang="en-US" b="0" i="0" dirty="0">
                 <a:solidFill>
@@ -2411,70 +2202,29 @@
                 <a:effectLst/>
                 <a:latin typeface="Söhne"/>
               </a:rPr>
-              <a:t>My Null Hypothesis states that there is no relationship between any of the independent variables and the occurrences of arrest for all crimes and reported incident, while my Alternate Hypothesis proposes there is a strong relationship.</a:t>
+              <a:t>My Null Hypothesis assumes no link between independent variables and arrest occurrences. The Alternative Hypothesis suggests a significant relationship. </a:t>
             </a:r>
           </a:p>
           <a:p>
-            <a:pPr marL="0" marR="0" lvl="0" indent="0" algn="l" defTabSz="914400" rtl="0" eaLnBrk="1" fontAlgn="auto" latinLnBrk="0" hangingPunct="1">
-              <a:lnSpc>
-                <a:spcPct val="100000"/>
-              </a:lnSpc>
-              <a:spcBef>
-                <a:spcPts val="0"/>
-              </a:spcBef>
-              <a:spcAft>
-                <a:spcPts val="0"/>
-              </a:spcAft>
-              <a:buClrTx/>
-              <a:buSzTx/>
-              <a:buFontTx/>
-              <a:buNone/>
-              <a:tabLst/>
-              <a:defRPr/>
-            </a:pPr>
-            <a:endParaRPr lang="en-US" sz="1200" dirty="0"/>
-          </a:p>
-          <a:p>
-            <a:pPr marL="0" marR="0" lvl="0" indent="0" algn="l" defTabSz="914400" rtl="0" eaLnBrk="1" fontAlgn="auto" latinLnBrk="0" hangingPunct="1">
-              <a:lnSpc>
-                <a:spcPct val="100000"/>
-              </a:lnSpc>
-              <a:spcBef>
-                <a:spcPts val="0"/>
-              </a:spcBef>
-              <a:spcAft>
-                <a:spcPts val="0"/>
-              </a:spcAft>
-              <a:buClrTx/>
-              <a:buSzTx/>
-              <a:buFontTx/>
-              <a:buNone/>
-              <a:tabLst/>
-              <a:defRPr/>
-            </a:pPr>
+            <a:endParaRPr lang="en-US" b="0" i="0" dirty="0">
+              <a:solidFill>
+                <a:srgbClr val="D1D5DB"/>
+              </a:solidFill>
+              <a:effectLst/>
+              <a:latin typeface="Söhne"/>
+            </a:endParaRPr>
+          </a:p>
+          <a:p>
             <a:r>
-              <a:rPr lang="en-US" sz="1200" dirty="0"/>
-              <a:t>As I performed my Exploratory Data Analysis, I implemented logistic regression modeling to confirm or reject my Null hypothesis. </a:t>
+              <a:rPr lang="en-US" b="0" i="0" dirty="0">
+                <a:solidFill>
+                  <a:srgbClr val="D1D5DB"/>
+                </a:solidFill>
+                <a:effectLst/>
+                <a:latin typeface="Söhne"/>
+              </a:rPr>
+              <a:t>Exploring further, I used logistic regression in Exploratory Data Analysis to validate or reject the Null Hypothesis.</a:t>
             </a:r>
-          </a:p>
-          <a:p>
-            <a:pPr marL="0" marR="0" lvl="0" indent="0" algn="l" defTabSz="914400" rtl="0" eaLnBrk="1" fontAlgn="auto" latinLnBrk="0" hangingPunct="1">
-              <a:lnSpc>
-                <a:spcPct val="100000"/>
-              </a:lnSpc>
-              <a:spcBef>
-                <a:spcPts val="0"/>
-              </a:spcBef>
-              <a:spcAft>
-                <a:spcPts val="0"/>
-              </a:spcAft>
-              <a:buClrTx/>
-              <a:buSzTx/>
-              <a:buFontTx/>
-              <a:buNone/>
-              <a:tabLst/>
-              <a:defRPr/>
-            </a:pPr>
             <a:endParaRPr lang="en-US" sz="1200" dirty="0"/>
           </a:p>
           <a:p>
@@ -2582,84 +2332,55 @@
           <a:bodyPr/>
           <a:lstStyle/>
           <a:p>
-            <a:pPr marL="0" marR="0" lvl="0" indent="0" algn="l" defTabSz="914400" rtl="0" eaLnBrk="1" fontAlgn="auto" latinLnBrk="0" hangingPunct="1">
-              <a:lnSpc>
-                <a:spcPct val="100000"/>
-              </a:lnSpc>
-              <a:spcBef>
-                <a:spcPts val="0"/>
-              </a:spcBef>
-              <a:spcAft>
-                <a:spcPts val="0"/>
-              </a:spcAft>
-              <a:buClrTx/>
-              <a:buSzTx/>
-              <a:buFontTx/>
-              <a:buNone/>
-              <a:tabLst/>
-              <a:defRPr/>
-            </a:pPr>
+            <a:pPr algn="l"/>
             <a:r>
-              <a:rPr lang="en-US" sz="1800" dirty="0">
+              <a:rPr lang="en-US" sz="2800" b="0" i="0" dirty="0">
+                <a:solidFill>
+                  <a:srgbClr val="D1D5DB"/>
+                </a:solidFill>
                 <a:effectLst/>
-                <a:latin typeface="Calibri" panose="020F0502020204030204" pitchFamily="34" charset="0"/>
-                <a:ea typeface="Calibri" panose="020F0502020204030204" pitchFamily="34" charset="0"/>
-                <a:cs typeface="Times New Roman" panose="02020603050405020304" pitchFamily="18" charset="0"/>
+                <a:latin typeface="Söhne"/>
               </a:rPr>
-              <a:t>Using my results, I isolated the top 8 strongest positive and negative deviations from my Null Hypothesis and plotted them on the bar graph on the right of the slide. </a:t>
+              <a:t>Utilizing my findings, I isolated the most significant positive and negative deviations from the Null Hypothesis—highlighting the top 8. </a:t>
             </a:r>
           </a:p>
           <a:p>
-            <a:pPr marL="0" marR="0" lvl="0" indent="0" algn="l" defTabSz="914400" rtl="0" eaLnBrk="1" fontAlgn="auto" latinLnBrk="0" hangingPunct="1">
-              <a:lnSpc>
-                <a:spcPct val="100000"/>
-              </a:lnSpc>
-              <a:spcBef>
-                <a:spcPts val="0"/>
-              </a:spcBef>
-              <a:spcAft>
-                <a:spcPts val="0"/>
-              </a:spcAft>
-              <a:buClrTx/>
-              <a:buSzTx/>
-              <a:buFontTx/>
-              <a:buNone/>
-              <a:tabLst/>
-              <a:defRPr/>
-            </a:pPr>
-            <a:endParaRPr lang="en-US" sz="1800" dirty="0">
-              <a:effectLst/>
-              <a:latin typeface="Calibri" panose="020F0502020204030204" pitchFamily="34" charset="0"/>
-              <a:ea typeface="Calibri" panose="020F0502020204030204" pitchFamily="34" charset="0"/>
-              <a:cs typeface="Times New Roman" panose="02020603050405020304" pitchFamily="18" charset="0"/>
-            </a:endParaRPr>
-          </a:p>
-          <a:p>
-            <a:pPr marL="0" marR="0" lvl="0" indent="0" algn="l" defTabSz="914400" rtl="0" eaLnBrk="1" fontAlgn="auto" latinLnBrk="0" hangingPunct="1">
-              <a:lnSpc>
-                <a:spcPct val="100000"/>
-              </a:lnSpc>
-              <a:spcBef>
-                <a:spcPts val="0"/>
-              </a:spcBef>
-              <a:spcAft>
-                <a:spcPts val="0"/>
-              </a:spcAft>
-              <a:buClrTx/>
-              <a:buSzTx/>
-              <a:buFontTx/>
-              <a:buNone/>
-              <a:tabLst/>
-              <a:defRPr/>
-            </a:pPr>
+            <a:pPr algn="l"/>
             <a:r>
-              <a:rPr lang="en-US" sz="1800" dirty="0">
+              <a:rPr lang="en-US" sz="2800" b="0" i="0" dirty="0">
+                <a:solidFill>
+                  <a:srgbClr val="D1D5DB"/>
+                </a:solidFill>
                 <a:effectLst/>
-                <a:latin typeface="Calibri" panose="020F0502020204030204" pitchFamily="34" charset="0"/>
-                <a:ea typeface="Calibri" panose="020F0502020204030204" pitchFamily="34" charset="0"/>
-                <a:cs typeface="Times New Roman" panose="02020603050405020304" pitchFamily="18" charset="0"/>
+                <a:latin typeface="Söhne"/>
               </a:rPr>
-              <a:t>The blue bars extending to the right represent crime where arrest is MORE LIKELY while The red bars represent the opposite, arrest is LESS LIKELY. The chart makes it clear that crimes involving narcotics or prostitution have the highest probable arrest rate while theft and burglary are shown to have the lowest probability. </a:t>
+              <a:t>These deviations are visualized on the adjacent bar graph.</a:t>
+            </a:r>
+          </a:p>
+          <a:p>
+            <a:pPr algn="l"/>
+            <a:r>
+              <a:rPr lang="en-US" sz="2800" b="0" i="0" dirty="0">
+                <a:solidFill>
+                  <a:srgbClr val="D1D5DB"/>
+                </a:solidFill>
+                <a:effectLst/>
+                <a:latin typeface="Söhne"/>
+              </a:rPr>
+              <a:t>Extended blue bars indicate crimes with a HIGHER likelihood of arrest, while red bars denote the opposite—LOWER likelihood of arrest. </a:t>
+            </a:r>
+          </a:p>
+          <a:p>
+            <a:pPr algn="l"/>
+            <a:r>
+              <a:rPr lang="en-US" sz="2800" b="0" i="0" dirty="0">
+                <a:solidFill>
+                  <a:srgbClr val="D1D5DB"/>
+                </a:solidFill>
+                <a:effectLst/>
+                <a:latin typeface="Söhne"/>
+              </a:rPr>
+              <a:t>The chart underscores that narcotics and prostitution-related crimes exhibit the highest probability of arrest, whereas theft and burglary demonstrate the lowest likelihood.</a:t>
             </a:r>
           </a:p>
           <a:p>
@@ -17606,7 +17327,7 @@
           <a:p>
             <a:fld id="{D951F27F-98F9-A147-8986-34441C7B752D}" type="datetime1">
               <a:rPr lang="en-US" noProof="0" smtClean="0"/>
-              <a:t>8/7/2023</a:t>
+              <a:t>8/11/2023</a:t>
             </a:fld>
             <a:endParaRPr lang="en-US" noProof="0" dirty="0"/>
           </a:p>
@@ -24199,8 +23920,17 @@
               <a:rPr lang="en-US" sz="2000" dirty="0">
                 <a:latin typeface="+mj-lt"/>
               </a:rPr>
-              <a:t>The probability of getting arrested has no relationship with the location of the crime.</a:t>
+              <a:t>The probability of getting arrested has no relationship with crime type </a:t>
             </a:r>
+            <a:r>
+              <a:rPr lang="en-US" sz="2000">
+                <a:latin typeface="+mj-lt"/>
+              </a:rPr>
+              <a:t>and location.</a:t>
+            </a:r>
+            <a:endParaRPr lang="en-US" sz="2000" dirty="0">
+              <a:latin typeface="+mj-lt"/>
+            </a:endParaRPr>
           </a:p>
         </p:txBody>
       </p:sp>
